--- a/Respostas_Desafio_Diagramas.pptx
+++ b/Respostas_Desafio_Diagramas.pptx
@@ -109,6 +109,11 @@
       </a:defRPr>
     </a:lvl9pPr>
   </p:defaultTextStyle>
+  <p:extLst>
+    <p:ext uri="{EFAFB233-063F-42B5-8137-9DF3F51BA10A}">
+      <p15:sldGuideLst xmlns:p15="http://schemas.microsoft.com/office/powerpoint/2012/main"/>
+    </p:ext>
+  </p:extLst>
 </p:presentation>
 </file>
 
@@ -259,7 +264,7 @@
           <a:p>
             <a:fld id="{EF3DEB53-E6A9-423F-A5E9-7FF940AA4158}" type="datetimeFigureOut">
               <a:rPr lang="pt-BR" smtClean="0"/>
-              <a:t>19/11/2023</a:t>
+              <a:t>20/11/2023</a:t>
             </a:fld>
             <a:endParaRPr lang="pt-BR"/>
           </a:p>
@@ -457,7 +462,7 @@
           <a:p>
             <a:fld id="{EF3DEB53-E6A9-423F-A5E9-7FF940AA4158}" type="datetimeFigureOut">
               <a:rPr lang="pt-BR" smtClean="0"/>
-              <a:t>19/11/2023</a:t>
+              <a:t>20/11/2023</a:t>
             </a:fld>
             <a:endParaRPr lang="pt-BR"/>
           </a:p>
@@ -665,7 +670,7 @@
           <a:p>
             <a:fld id="{EF3DEB53-E6A9-423F-A5E9-7FF940AA4158}" type="datetimeFigureOut">
               <a:rPr lang="pt-BR" smtClean="0"/>
-              <a:t>19/11/2023</a:t>
+              <a:t>20/11/2023</a:t>
             </a:fld>
             <a:endParaRPr lang="pt-BR"/>
           </a:p>
@@ -863,7 +868,7 @@
           <a:p>
             <a:fld id="{EF3DEB53-E6A9-423F-A5E9-7FF940AA4158}" type="datetimeFigureOut">
               <a:rPr lang="pt-BR" smtClean="0"/>
-              <a:t>19/11/2023</a:t>
+              <a:t>20/11/2023</a:t>
             </a:fld>
             <a:endParaRPr lang="pt-BR"/>
           </a:p>
@@ -1138,7 +1143,7 @@
           <a:p>
             <a:fld id="{EF3DEB53-E6A9-423F-A5E9-7FF940AA4158}" type="datetimeFigureOut">
               <a:rPr lang="pt-BR" smtClean="0"/>
-              <a:t>19/11/2023</a:t>
+              <a:t>20/11/2023</a:t>
             </a:fld>
             <a:endParaRPr lang="pt-BR"/>
           </a:p>
@@ -1403,7 +1408,7 @@
           <a:p>
             <a:fld id="{EF3DEB53-E6A9-423F-A5E9-7FF940AA4158}" type="datetimeFigureOut">
               <a:rPr lang="pt-BR" smtClean="0"/>
-              <a:t>19/11/2023</a:t>
+              <a:t>20/11/2023</a:t>
             </a:fld>
             <a:endParaRPr lang="pt-BR"/>
           </a:p>
@@ -1815,7 +1820,7 @@
           <a:p>
             <a:fld id="{EF3DEB53-E6A9-423F-A5E9-7FF940AA4158}" type="datetimeFigureOut">
               <a:rPr lang="pt-BR" smtClean="0"/>
-              <a:t>19/11/2023</a:t>
+              <a:t>20/11/2023</a:t>
             </a:fld>
             <a:endParaRPr lang="pt-BR"/>
           </a:p>
@@ -1956,7 +1961,7 @@
           <a:p>
             <a:fld id="{EF3DEB53-E6A9-423F-A5E9-7FF940AA4158}" type="datetimeFigureOut">
               <a:rPr lang="pt-BR" smtClean="0"/>
-              <a:t>19/11/2023</a:t>
+              <a:t>20/11/2023</a:t>
             </a:fld>
             <a:endParaRPr lang="pt-BR"/>
           </a:p>
@@ -2069,7 +2074,7 @@
           <a:p>
             <a:fld id="{EF3DEB53-E6A9-423F-A5E9-7FF940AA4158}" type="datetimeFigureOut">
               <a:rPr lang="pt-BR" smtClean="0"/>
-              <a:t>19/11/2023</a:t>
+              <a:t>20/11/2023</a:t>
             </a:fld>
             <a:endParaRPr lang="pt-BR"/>
           </a:p>
@@ -2380,7 +2385,7 @@
           <a:p>
             <a:fld id="{EF3DEB53-E6A9-423F-A5E9-7FF940AA4158}" type="datetimeFigureOut">
               <a:rPr lang="pt-BR" smtClean="0"/>
-              <a:t>19/11/2023</a:t>
+              <a:t>20/11/2023</a:t>
             </a:fld>
             <a:endParaRPr lang="pt-BR"/>
           </a:p>
@@ -2668,7 +2673,7 @@
           <a:p>
             <a:fld id="{EF3DEB53-E6A9-423F-A5E9-7FF940AA4158}" type="datetimeFigureOut">
               <a:rPr lang="pt-BR" smtClean="0"/>
-              <a:t>19/11/2023</a:t>
+              <a:t>20/11/2023</a:t>
             </a:fld>
             <a:endParaRPr lang="pt-BR"/>
           </a:p>
@@ -2909,7 +2914,7 @@
           <a:p>
             <a:fld id="{EF3DEB53-E6A9-423F-A5E9-7FF940AA4158}" type="datetimeFigureOut">
               <a:rPr lang="pt-BR" smtClean="0"/>
-              <a:t>19/11/2023</a:t>
+              <a:t>20/11/2023</a:t>
             </a:fld>
             <a:endParaRPr lang="pt-BR"/>
           </a:p>
@@ -3596,69 +3601,6 @@
       </p:pic>
       <p:sp>
         <p:nvSpPr>
-          <p:cNvPr id="12" name="Retângulo 11">
-            <a:extLst>
-              <a:ext uri="{FF2B5EF4-FFF2-40B4-BE49-F238E27FC236}">
-                <a16:creationId xmlns:a16="http://schemas.microsoft.com/office/drawing/2014/main" id="{993D02F5-4204-DF96-C8E0-28AC76B9D2B0}"/>
-              </a:ext>
-            </a:extLst>
-          </p:cNvPr>
-          <p:cNvSpPr/>
-          <p:nvPr/>
-        </p:nvSpPr>
-        <p:spPr>
-          <a:xfrm>
-            <a:off x="450440" y="2315602"/>
-            <a:ext cx="914400" cy="914400"/>
-          </a:xfrm>
-          <a:prstGeom prst="rect">
-            <a:avLst/>
-          </a:prstGeom>
-          <a:solidFill>
-            <a:srgbClr val="FF0000"/>
-          </a:solidFill>
-        </p:spPr>
-        <p:style>
-          <a:lnRef idx="2">
-            <a:schemeClr val="accent1">
-              <a:shade val="15000"/>
-            </a:schemeClr>
-          </a:lnRef>
-          <a:fillRef idx="1">
-            <a:schemeClr val="accent1"/>
-          </a:fillRef>
-          <a:effectRef idx="0">
-            <a:schemeClr val="accent1"/>
-          </a:effectRef>
-          <a:fontRef idx="minor">
-            <a:schemeClr val="lt1"/>
-          </a:fontRef>
-        </p:style>
-        <p:txBody>
-          <a:bodyPr rtlCol="0" anchor="ctr"/>
-          <a:lstStyle/>
-          <a:p>
-            <a:pPr algn="ctr"/>
-            <a:r>
-              <a:rPr lang="pt-BR" sz="2800" b="1" dirty="0"/>
-              <a:t>1</a:t>
-            </a:r>
-            <a:r>
-              <a:rPr lang="pt-BR" dirty="0"/>
-              <a:t> </a:t>
-            </a:r>
-          </a:p>
-          <a:p>
-            <a:pPr algn="ctr"/>
-            <a:r>
-              <a:rPr lang="pt-BR" dirty="0"/>
-              <a:t>OK</a:t>
-            </a:r>
-          </a:p>
-        </p:txBody>
-      </p:sp>
-      <p:sp>
-        <p:nvSpPr>
           <p:cNvPr id="14" name="CaixaDeTexto 13">
             <a:extLst>
               <a:ext uri="{FF2B5EF4-FFF2-40B4-BE49-F238E27FC236}">
@@ -3902,69 +3844,6 @@
           <a:chExt cx="0" cy="0"/>
         </a:xfrm>
       </p:grpSpPr>
-      <p:sp>
-        <p:nvSpPr>
-          <p:cNvPr id="6" name="Retângulo 5">
-            <a:extLst>
-              <a:ext uri="{FF2B5EF4-FFF2-40B4-BE49-F238E27FC236}">
-                <a16:creationId xmlns:a16="http://schemas.microsoft.com/office/drawing/2014/main" id="{CC89402E-786F-F40A-6083-BAA1354C6225}"/>
-              </a:ext>
-            </a:extLst>
-          </p:cNvPr>
-          <p:cNvSpPr/>
-          <p:nvPr/>
-        </p:nvSpPr>
-        <p:spPr>
-          <a:xfrm>
-            <a:off x="298040" y="2163202"/>
-            <a:ext cx="914400" cy="914400"/>
-          </a:xfrm>
-          <a:prstGeom prst="rect">
-            <a:avLst/>
-          </a:prstGeom>
-          <a:solidFill>
-            <a:srgbClr val="FF0000"/>
-          </a:solidFill>
-        </p:spPr>
-        <p:style>
-          <a:lnRef idx="2">
-            <a:schemeClr val="accent1">
-              <a:shade val="15000"/>
-            </a:schemeClr>
-          </a:lnRef>
-          <a:fillRef idx="1">
-            <a:schemeClr val="accent1"/>
-          </a:fillRef>
-          <a:effectRef idx="0">
-            <a:schemeClr val="accent1"/>
-          </a:effectRef>
-          <a:fontRef idx="minor">
-            <a:schemeClr val="lt1"/>
-          </a:fontRef>
-        </p:style>
-        <p:txBody>
-          <a:bodyPr rtlCol="0" anchor="ctr"/>
-          <a:lstStyle/>
-          <a:p>
-            <a:pPr algn="ctr"/>
-            <a:r>
-              <a:rPr lang="pt-BR" sz="2800" b="1" dirty="0"/>
-              <a:t>2</a:t>
-            </a:r>
-            <a:r>
-              <a:rPr lang="pt-BR" dirty="0"/>
-              <a:t> </a:t>
-            </a:r>
-          </a:p>
-          <a:p>
-            <a:pPr algn="ctr"/>
-            <a:r>
-              <a:rPr lang="pt-BR" dirty="0"/>
-              <a:t>OK</a:t>
-            </a:r>
-          </a:p>
-        </p:txBody>
-      </p:sp>
       <p:pic>
         <p:nvPicPr>
           <p:cNvPr id="2" name="Imagem 1">
